--- a/resources/LexicalAccess.pptx
+++ b/resources/LexicalAccess.pptx
@@ -7,14 +7,14 @@
   <p:sldIdLst>
     <p:sldId id="256" r:id="rId2"/>
   </p:sldIdLst>
-  <p:sldSz cx="9144000" cy="6858000" type="screen4x3"/>
+  <p:sldSz cx="7488238" cy="5486400"/>
   <p:notesSz cx="6858000" cy="9144000"/>
   <p:defaultTextStyle>
     <a:defPPr>
       <a:defRPr lang="en-US"/>
     </a:defPPr>
-    <a:lvl1pPr marL="0" algn="l" defTabSz="457200" rtl="0" eaLnBrk="1" latinLnBrk="0" hangingPunct="1">
-      <a:defRPr sz="1800" kern="1200">
+    <a:lvl1pPr marL="0" algn="l" defTabSz="370698" rtl="0" eaLnBrk="1" latinLnBrk="0" hangingPunct="1">
+      <a:defRPr sz="1459" kern="1200">
         <a:solidFill>
           <a:schemeClr val="tx1"/>
         </a:solidFill>
@@ -23,8 +23,8 @@
         <a:cs typeface="+mn-cs"/>
       </a:defRPr>
     </a:lvl1pPr>
-    <a:lvl2pPr marL="457200" algn="l" defTabSz="457200" rtl="0" eaLnBrk="1" latinLnBrk="0" hangingPunct="1">
-      <a:defRPr sz="1800" kern="1200">
+    <a:lvl2pPr marL="370698" algn="l" defTabSz="370698" rtl="0" eaLnBrk="1" latinLnBrk="0" hangingPunct="1">
+      <a:defRPr sz="1459" kern="1200">
         <a:solidFill>
           <a:schemeClr val="tx1"/>
         </a:solidFill>
@@ -33,8 +33,8 @@
         <a:cs typeface="+mn-cs"/>
       </a:defRPr>
     </a:lvl2pPr>
-    <a:lvl3pPr marL="914400" algn="l" defTabSz="457200" rtl="0" eaLnBrk="1" latinLnBrk="0" hangingPunct="1">
-      <a:defRPr sz="1800" kern="1200">
+    <a:lvl3pPr marL="741396" algn="l" defTabSz="370698" rtl="0" eaLnBrk="1" latinLnBrk="0" hangingPunct="1">
+      <a:defRPr sz="1459" kern="1200">
         <a:solidFill>
           <a:schemeClr val="tx1"/>
         </a:solidFill>
@@ -43,8 +43,8 @@
         <a:cs typeface="+mn-cs"/>
       </a:defRPr>
     </a:lvl3pPr>
-    <a:lvl4pPr marL="1371600" algn="l" defTabSz="457200" rtl="0" eaLnBrk="1" latinLnBrk="0" hangingPunct="1">
-      <a:defRPr sz="1800" kern="1200">
+    <a:lvl4pPr marL="1112093" algn="l" defTabSz="370698" rtl="0" eaLnBrk="1" latinLnBrk="0" hangingPunct="1">
+      <a:defRPr sz="1459" kern="1200">
         <a:solidFill>
           <a:schemeClr val="tx1"/>
         </a:solidFill>
@@ -53,8 +53,8 @@
         <a:cs typeface="+mn-cs"/>
       </a:defRPr>
     </a:lvl4pPr>
-    <a:lvl5pPr marL="1828800" algn="l" defTabSz="457200" rtl="0" eaLnBrk="1" latinLnBrk="0" hangingPunct="1">
-      <a:defRPr sz="1800" kern="1200">
+    <a:lvl5pPr marL="1482791" algn="l" defTabSz="370698" rtl="0" eaLnBrk="1" latinLnBrk="0" hangingPunct="1">
+      <a:defRPr sz="1459" kern="1200">
         <a:solidFill>
           <a:schemeClr val="tx1"/>
         </a:solidFill>
@@ -63,8 +63,8 @@
         <a:cs typeface="+mn-cs"/>
       </a:defRPr>
     </a:lvl5pPr>
-    <a:lvl6pPr marL="2286000" algn="l" defTabSz="457200" rtl="0" eaLnBrk="1" latinLnBrk="0" hangingPunct="1">
-      <a:defRPr sz="1800" kern="1200">
+    <a:lvl6pPr marL="1853489" algn="l" defTabSz="370698" rtl="0" eaLnBrk="1" latinLnBrk="0" hangingPunct="1">
+      <a:defRPr sz="1459" kern="1200">
         <a:solidFill>
           <a:schemeClr val="tx1"/>
         </a:solidFill>
@@ -73,8 +73,8 @@
         <a:cs typeface="+mn-cs"/>
       </a:defRPr>
     </a:lvl6pPr>
-    <a:lvl7pPr marL="2743200" algn="l" defTabSz="457200" rtl="0" eaLnBrk="1" latinLnBrk="0" hangingPunct="1">
-      <a:defRPr sz="1800" kern="1200">
+    <a:lvl7pPr marL="2224187" algn="l" defTabSz="370698" rtl="0" eaLnBrk="1" latinLnBrk="0" hangingPunct="1">
+      <a:defRPr sz="1459" kern="1200">
         <a:solidFill>
           <a:schemeClr val="tx1"/>
         </a:solidFill>
@@ -83,8 +83,8 @@
         <a:cs typeface="+mn-cs"/>
       </a:defRPr>
     </a:lvl7pPr>
-    <a:lvl8pPr marL="3200400" algn="l" defTabSz="457200" rtl="0" eaLnBrk="1" latinLnBrk="0" hangingPunct="1">
-      <a:defRPr sz="1800" kern="1200">
+    <a:lvl8pPr marL="2594884" algn="l" defTabSz="370698" rtl="0" eaLnBrk="1" latinLnBrk="0" hangingPunct="1">
+      <a:defRPr sz="1459" kern="1200">
         <a:solidFill>
           <a:schemeClr val="tx1"/>
         </a:solidFill>
@@ -93,8 +93,8 @@
         <a:cs typeface="+mn-cs"/>
       </a:defRPr>
     </a:lvl8pPr>
-    <a:lvl9pPr marL="3657600" algn="l" defTabSz="457200" rtl="0" eaLnBrk="1" latinLnBrk="0" hangingPunct="1">
-      <a:defRPr sz="1800" kern="1200">
+    <a:lvl9pPr marL="2965582" algn="l" defTabSz="370698" rtl="0" eaLnBrk="1" latinLnBrk="0" hangingPunct="1">
+      <a:defRPr sz="1459" kern="1200">
         <a:solidFill>
           <a:schemeClr val="tx1"/>
         </a:solidFill>
@@ -104,6 +104,11 @@
       </a:defRPr>
     </a:lvl9pPr>
   </p:defaultTextStyle>
+  <p:extLst>
+    <p:ext uri="{EFAFB233-063F-42B5-8137-9DF3F51BA10A}">
+      <p15:sldGuideLst xmlns:p15="http://schemas.microsoft.com/office/powerpoint/2012/main"/>
+    </p:ext>
+  </p:extLst>
 </p:presentation>
 </file>
 
@@ -136,8 +141,8 @@
         </p:nvSpPr>
         <p:spPr>
           <a:xfrm>
-            <a:off x="685800" y="1905000"/>
-            <a:ext cx="7543800" cy="2593975"/>
+            <a:off x="561618" y="1524000"/>
+            <a:ext cx="6177796" cy="2075180"/>
           </a:xfrm>
         </p:spPr>
         <p:txBody>
@@ -175,8 +180,8 @@
         </p:nvSpPr>
         <p:spPr>
           <a:xfrm>
-            <a:off x="685800" y="4572000"/>
-            <a:ext cx="6461760" cy="1066800"/>
+            <a:off x="561618" y="3657600"/>
+            <a:ext cx="5291688" cy="853440"/>
           </a:xfrm>
         </p:spPr>
         <p:txBody>
@@ -301,7 +306,7 @@
           <a:p>
             <a:fld id="{5B0288C4-4EBA-B847-8BB7-B9D97D9BC5B8}" type="datetimeFigureOut">
               <a:rPr lang="en-US" smtClean="0"/>
-              <a:t>6/9/22</a:t>
+              <a:t>6/21/22</a:t>
             </a:fld>
             <a:endParaRPr lang="en-US"/>
           </a:p>
@@ -464,7 +469,7 @@
           <a:p>
             <a:fld id="{5B0288C4-4EBA-B847-8BB7-B9D97D9BC5B8}" type="datetimeFigureOut">
               <a:rPr lang="en-US" smtClean="0"/>
-              <a:t>6/9/22</a:t>
+              <a:t>6/21/22</a:t>
             </a:fld>
             <a:endParaRPr lang="en-US"/>
           </a:p>
@@ -549,8 +554,8 @@
         </p:nvSpPr>
         <p:spPr>
           <a:xfrm>
-            <a:off x="6629400" y="274638"/>
-            <a:ext cx="1752600" cy="5851525"/>
+            <a:off x="5428972" y="219711"/>
+            <a:ext cx="1435246" cy="4681220"/>
           </a:xfrm>
         </p:spPr>
         <p:txBody>
@@ -577,8 +582,8 @@
         </p:nvSpPr>
         <p:spPr>
           <a:xfrm>
-            <a:off x="457200" y="274638"/>
-            <a:ext cx="6019800" cy="5851525"/>
+            <a:off x="374412" y="219711"/>
+            <a:ext cx="4929757" cy="4681220"/>
           </a:xfrm>
         </p:spPr>
         <p:txBody>
@@ -638,7 +643,7 @@
           <a:p>
             <a:fld id="{5B0288C4-4EBA-B847-8BB7-B9D97D9BC5B8}" type="datetimeFigureOut">
               <a:rPr lang="en-US" smtClean="0"/>
-              <a:t>6/9/22</a:t>
+              <a:t>6/21/22</a:t>
             </a:fld>
             <a:endParaRPr lang="en-US"/>
           </a:p>
@@ -820,7 +825,7 @@
           <a:p>
             <a:fld id="{5B0288C4-4EBA-B847-8BB7-B9D97D9BC5B8}" type="datetimeFigureOut">
               <a:rPr lang="en-US" smtClean="0"/>
-              <a:t>6/9/22</a:t>
+              <a:t>6/21/22</a:t>
             </a:fld>
             <a:endParaRPr lang="en-US"/>
           </a:p>
@@ -905,8 +910,8 @@
         </p:nvSpPr>
         <p:spPr>
           <a:xfrm>
-            <a:off x="722313" y="5486400"/>
-            <a:ext cx="7659687" cy="1168400"/>
+            <a:off x="591520" y="4389120"/>
+            <a:ext cx="6272699" cy="934720"/>
           </a:xfrm>
         </p:spPr>
         <p:txBody>
@@ -937,8 +942,8 @@
         </p:nvSpPr>
         <p:spPr>
           <a:xfrm>
-            <a:off x="722313" y="3852863"/>
-            <a:ext cx="6135687" cy="1633538"/>
+            <a:off x="591520" y="3082291"/>
+            <a:ext cx="5024659" cy="1306830"/>
           </a:xfrm>
         </p:spPr>
         <p:txBody>
@@ -1061,7 +1066,7 @@
           <a:p>
             <a:fld id="{5B0288C4-4EBA-B847-8BB7-B9D97D9BC5B8}" type="datetimeFigureOut">
               <a:rPr lang="en-US" smtClean="0"/>
-              <a:t>6/9/22</a:t>
+              <a:t>6/21/22</a:t>
             </a:fld>
             <a:endParaRPr lang="en-US"/>
           </a:p>
@@ -1168,8 +1173,8 @@
         </p:nvSpPr>
         <p:spPr>
           <a:xfrm>
-            <a:off x="457200" y="1536192"/>
-            <a:ext cx="3657600" cy="4590288"/>
+            <a:off x="374412" y="1228954"/>
+            <a:ext cx="2995295" cy="3672230"/>
           </a:xfrm>
         </p:spPr>
         <p:txBody>
@@ -1253,8 +1258,8 @@
         </p:nvSpPr>
         <p:spPr>
           <a:xfrm>
-            <a:off x="4419600" y="1536192"/>
-            <a:ext cx="3657600" cy="4590288"/>
+            <a:off x="3619315" y="1228954"/>
+            <a:ext cx="2995295" cy="3672230"/>
           </a:xfrm>
         </p:spPr>
         <p:txBody>
@@ -1343,7 +1348,7 @@
           <a:p>
             <a:fld id="{5B0288C4-4EBA-B847-8BB7-B9D97D9BC5B8}" type="datetimeFigureOut">
               <a:rPr lang="en-US" smtClean="0"/>
-              <a:t>6/9/22</a:t>
+              <a:t>6/21/22</a:t>
             </a:fld>
             <a:endParaRPr lang="en-US"/>
           </a:p>
@@ -1454,8 +1459,8 @@
         </p:nvSpPr>
         <p:spPr>
           <a:xfrm>
-            <a:off x="457200" y="1535113"/>
-            <a:ext cx="3657600" cy="639762"/>
+            <a:off x="374412" y="1228090"/>
+            <a:ext cx="2995295" cy="511810"/>
           </a:xfrm>
         </p:spPr>
         <p:txBody>
@@ -1525,8 +1530,8 @@
         </p:nvSpPr>
         <p:spPr>
           <a:xfrm>
-            <a:off x="457200" y="2174875"/>
-            <a:ext cx="3657600" cy="3951288"/>
+            <a:off x="374412" y="1739900"/>
+            <a:ext cx="2995295" cy="3161030"/>
           </a:xfrm>
         </p:spPr>
         <p:txBody>
@@ -1610,8 +1615,8 @@
         </p:nvSpPr>
         <p:spPr>
           <a:xfrm>
-            <a:off x="4419600" y="1535113"/>
-            <a:ext cx="3657600" cy="639762"/>
+            <a:off x="3619315" y="1228090"/>
+            <a:ext cx="2995295" cy="511810"/>
           </a:xfrm>
         </p:spPr>
         <p:txBody>
@@ -1681,8 +1686,8 @@
         </p:nvSpPr>
         <p:spPr>
           <a:xfrm>
-            <a:off x="4419600" y="2174875"/>
-            <a:ext cx="3657600" cy="3951288"/>
+            <a:off x="3619315" y="1739900"/>
+            <a:ext cx="2995295" cy="3161030"/>
           </a:xfrm>
         </p:spPr>
         <p:txBody>
@@ -1770,7 +1775,7 @@
           <a:p>
             <a:fld id="{5B0288C4-4EBA-B847-8BB7-B9D97D9BC5B8}" type="datetimeFigureOut">
               <a:rPr lang="en-US" smtClean="0"/>
-              <a:t>6/9/22</a:t>
+              <a:t>6/21/22</a:t>
             </a:fld>
             <a:endParaRPr lang="en-US"/>
           </a:p>
@@ -1882,7 +1887,7 @@
           <a:p>
             <a:fld id="{5B0288C4-4EBA-B847-8BB7-B9D97D9BC5B8}" type="datetimeFigureOut">
               <a:rPr lang="en-US" smtClean="0"/>
-              <a:t>6/9/22</a:t>
+              <a:t>6/21/22</a:t>
             </a:fld>
             <a:endParaRPr lang="en-US"/>
           </a:p>
@@ -1972,7 +1977,7 @@
           <a:p>
             <a:fld id="{5B0288C4-4EBA-B847-8BB7-B9D97D9BC5B8}" type="datetimeFigureOut">
               <a:rPr lang="en-US" smtClean="0"/>
-              <a:t>6/9/22</a:t>
+              <a:t>6/21/22</a:t>
             </a:fld>
             <a:endParaRPr lang="en-US"/>
           </a:p>
@@ -2057,8 +2062,8 @@
         </p:nvSpPr>
         <p:spPr>
           <a:xfrm>
-            <a:off x="304801" y="5495544"/>
-            <a:ext cx="7772400" cy="594360"/>
+            <a:off x="249609" y="4396435"/>
+            <a:ext cx="6365002" cy="475488"/>
           </a:xfrm>
         </p:spPr>
         <p:txBody>
@@ -2089,8 +2094,8 @@
         </p:nvSpPr>
         <p:spPr>
           <a:xfrm>
-            <a:off x="304799" y="6096000"/>
-            <a:ext cx="7772401" cy="609600"/>
+            <a:off x="249608" y="4876800"/>
+            <a:ext cx="6365003" cy="487680"/>
           </a:xfrm>
         </p:spPr>
         <p:txBody>
@@ -2161,7 +2166,7 @@
           <a:p>
             <a:fld id="{5B0288C4-4EBA-B847-8BB7-B9D97D9BC5B8}" type="datetimeFigureOut">
               <a:rPr lang="en-US" smtClean="0"/>
-              <a:t>6/9/22</a:t>
+              <a:t>6/21/22</a:t>
             </a:fld>
             <a:endParaRPr lang="en-US"/>
           </a:p>
@@ -2221,8 +2226,8 @@
         </p:nvSpPr>
         <p:spPr>
           <a:xfrm>
-            <a:off x="304800" y="381000"/>
-            <a:ext cx="7772400" cy="4942840"/>
+            <a:off x="249608" y="304800"/>
+            <a:ext cx="6365002" cy="3954272"/>
           </a:xfrm>
         </p:spPr>
         <p:txBody>
@@ -2302,8 +2307,8 @@
         </p:nvSpPr>
         <p:spPr>
           <a:xfrm>
-            <a:off x="301752" y="5495278"/>
-            <a:ext cx="7772400" cy="594626"/>
+            <a:off x="247112" y="4396222"/>
+            <a:ext cx="6365002" cy="475701"/>
           </a:xfrm>
         </p:spPr>
         <p:txBody>
@@ -2342,7 +2347,7 @@
         <p:spPr>
           <a:xfrm>
             <a:off x="0" y="0"/>
-            <a:ext cx="8458200" cy="5486400"/>
+            <a:ext cx="6926620" cy="4389120"/>
           </a:xfrm>
         </p:spPr>
         <p:txBody>
@@ -2406,8 +2411,8 @@
         </p:nvSpPr>
         <p:spPr>
           <a:xfrm>
-            <a:off x="301752" y="6096000"/>
-            <a:ext cx="7772400" cy="612648"/>
+            <a:off x="247112" y="4876800"/>
+            <a:ext cx="6365002" cy="490118"/>
           </a:xfrm>
         </p:spPr>
         <p:txBody>
@@ -2478,7 +2483,7 @@
           <a:p>
             <a:fld id="{5B0288C4-4EBA-B847-8BB7-B9D97D9BC5B8}" type="datetimeFigureOut">
               <a:rPr lang="en-US" smtClean="0"/>
-              <a:t>6/9/22</a:t>
+              <a:t>6/21/22</a:t>
             </a:fld>
             <a:endParaRPr lang="en-US"/>
           </a:p>
@@ -2568,8 +2573,8 @@
         </p:nvSpPr>
         <p:spPr>
           <a:xfrm>
-            <a:off x="457200" y="274638"/>
-            <a:ext cx="7620000" cy="1143000"/>
+            <a:off x="374412" y="219710"/>
+            <a:ext cx="6240198" cy="914400"/>
           </a:xfrm>
           <a:prstGeom prst="rect">
             <a:avLst/>
@@ -2601,8 +2606,8 @@
         </p:nvSpPr>
         <p:spPr>
           <a:xfrm>
-            <a:off x="457200" y="1600200"/>
-            <a:ext cx="7620000" cy="4800600"/>
+            <a:off x="374412" y="1280160"/>
+            <a:ext cx="6240198" cy="3840480"/>
           </a:xfrm>
           <a:prstGeom prst="rect">
             <a:avLst/>
@@ -2659,8 +2664,8 @@
         </p:nvSpPr>
         <p:spPr>
           <a:xfrm>
-            <a:off x="8458200" y="0"/>
-            <a:ext cx="685800" cy="6858000"/>
+            <a:off x="6926620" y="0"/>
+            <a:ext cx="561618" cy="5486400"/>
           </a:xfrm>
           <a:prstGeom prst="rect">
             <a:avLst/>
@@ -2693,7 +2698,7 @@
           <a:lstStyle/>
           <a:p>
             <a:pPr algn="ctr"/>
-            <a:endParaRPr lang="en-US"/>
+            <a:endParaRPr lang="en-US" sz="1459"/>
           </a:p>
         </p:txBody>
       </p:sp>
@@ -2705,8 +2710,8 @@
         </p:nvSpPr>
         <p:spPr>
           <a:xfrm>
-            <a:off x="8458200" y="5486400"/>
-            <a:ext cx="685800" cy="685800"/>
+            <a:off x="6926620" y="4389120"/>
+            <a:ext cx="561618" cy="548640"/>
           </a:xfrm>
           <a:prstGeom prst="rect">
             <a:avLst/>
@@ -2739,7 +2744,7 @@
           <a:lstStyle/>
           <a:p>
             <a:pPr algn="ctr"/>
-            <a:endParaRPr lang="en-US"/>
+            <a:endParaRPr lang="en-US" sz="1459"/>
           </a:p>
         </p:txBody>
       </p:sp>
@@ -2755,8 +2760,8 @@
         </p:nvSpPr>
         <p:spPr>
           <a:xfrm>
-            <a:off x="8531788" y="5648960"/>
-            <a:ext cx="548640" cy="396240"/>
+            <a:off x="6986883" y="4519168"/>
+            <a:ext cx="449294" cy="316992"/>
           </a:xfrm>
           <a:prstGeom prst="bracketPair">
             <a:avLst>
@@ -2801,8 +2806,8 @@
         </p:nvSpPr>
         <p:spPr>
           <a:xfrm rot="16200000">
-            <a:off x="7586910" y="4048760"/>
-            <a:ext cx="2367281" cy="365760"/>
+            <a:off x="6235499" y="3235547"/>
+            <a:ext cx="1893825" cy="299530"/>
           </a:xfrm>
           <a:prstGeom prst="rect">
             <a:avLst/>
@@ -2836,8 +2841,8 @@
         </p:nvSpPr>
         <p:spPr>
           <a:xfrm rot="16200000">
-            <a:off x="7551351" y="1645920"/>
-            <a:ext cx="2438399" cy="365760"/>
+            <a:off x="6207052" y="1313275"/>
+            <a:ext cx="1950719" cy="299530"/>
           </a:xfrm>
           <a:prstGeom prst="rect">
             <a:avLst/>
@@ -2857,7 +2862,7 @@
           <a:p>
             <a:fld id="{5B0288C4-4EBA-B847-8BB7-B9D97D9BC5B8}" type="datetimeFigureOut">
               <a:rPr lang="en-US" smtClean="0"/>
-              <a:t>6/9/22</a:t>
+              <a:t>6/21/22</a:t>
             </a:fld>
             <a:endParaRPr lang="en-US"/>
           </a:p>
@@ -3188,12 +3193,55 @@
           <a:chExt cx="0" cy="0"/>
         </a:xfrm>
       </p:grpSpPr>
+      <p:sp>
+        <p:nvSpPr>
+          <p:cNvPr id="14" name="TextBox 13">
+            <a:extLst>
+              <a:ext uri="{FF2B5EF4-FFF2-40B4-BE49-F238E27FC236}">
+                <a16:creationId xmlns:a16="http://schemas.microsoft.com/office/drawing/2014/main" id="{CA24087D-24AB-9D71-A0A1-FAE3EC354902}"/>
+              </a:ext>
+            </a:extLst>
+          </p:cNvPr>
+          <p:cNvSpPr txBox="1"/>
+          <p:nvPr/>
+        </p:nvSpPr>
+        <p:spPr>
+          <a:xfrm>
+            <a:off x="1701970" y="3708086"/>
+            <a:ext cx="1977653" cy="584775"/>
+          </a:xfrm>
+          <a:prstGeom prst="rect">
+            <a:avLst/>
+          </a:prstGeom>
+          <a:solidFill>
+            <a:schemeClr val="bg1"/>
+          </a:solidFill>
+          <a:ln>
+            <a:noFill/>
+          </a:ln>
+        </p:spPr>
+        <p:txBody>
+          <a:bodyPr wrap="square" rtlCol="0" anchor="ctr">
+            <a:spAutoFit/>
+          </a:bodyPr>
+          <a:lstStyle/>
+          <a:p>
+            <a:r>
+              <a:rPr lang="en-US" sz="3200" dirty="0">
+                <a:latin typeface="Consolas" panose="020B0609020204030204" pitchFamily="49" charset="0"/>
+                <a:cs typeface="Consolas" panose="020B0609020204030204" pitchFamily="49" charset="0"/>
+              </a:rPr>
+              <a:t>[. . .]</a:t>
+            </a:r>
+          </a:p>
+        </p:txBody>
+      </p:sp>
       <p:pic>
         <p:nvPicPr>
-          <p:cNvPr id="7" name="Picture 6">
+          <p:cNvPr id="16" name="Graphic 15" descr="Sound Medium outline">
             <a:extLst>
               <a:ext uri="{FF2B5EF4-FFF2-40B4-BE49-F238E27FC236}">
-                <a16:creationId xmlns:a16="http://schemas.microsoft.com/office/drawing/2014/main" id="{D477A431-16D2-7D4B-8A4C-6A31B19A1D6D}"/>
+                <a16:creationId xmlns:a16="http://schemas.microsoft.com/office/drawing/2014/main" id="{B3F9C247-B1C4-21C3-D5E1-FF890E8BB462}"/>
               </a:ext>
             </a:extLst>
           </p:cNvPr>
@@ -3203,129 +3251,45 @@
           <p:nvPr/>
         </p:nvPicPr>
         <p:blipFill>
-          <a:blip r:embed="rId2"/>
+          <a:blip r:embed="rId2">
+            <a:extLst>
+              <a:ext uri="{96DAC541-7B7A-43D3-8B79-37D633B846F1}">
+                <asvg:svgBlip xmlns:asvg="http://schemas.microsoft.com/office/drawing/2016/SVG/main" r:embed="rId3"/>
+              </a:ext>
+            </a:extLst>
+          </a:blip>
           <a:stretch>
             <a:fillRect/>
           </a:stretch>
         </p:blipFill>
         <p:spPr>
           <a:xfrm>
-            <a:off x="0" y="2741629"/>
-            <a:ext cx="9144000" cy="4116371"/>
+            <a:off x="787569" y="3548996"/>
+            <a:ext cx="914400" cy="914400"/>
           </a:xfrm>
           <a:prstGeom prst="rect">
             <a:avLst/>
           </a:prstGeom>
         </p:spPr>
       </p:pic>
-      <p:pic>
-        <p:nvPicPr>
-          <p:cNvPr id="8" name="Picture 7">
+      <p:sp>
+        <p:nvSpPr>
+          <p:cNvPr id="18" name="TextBox 17">
             <a:extLst>
               <a:ext uri="{FF2B5EF4-FFF2-40B4-BE49-F238E27FC236}">
-                <a16:creationId xmlns:a16="http://schemas.microsoft.com/office/drawing/2014/main" id="{A9E3373D-6D3C-874E-8A0A-0C608DAE5BBC}"/>
+                <a16:creationId xmlns:a16="http://schemas.microsoft.com/office/drawing/2014/main" id="{1689C8AA-18CA-8CAE-5CC0-5755B22D4B16}"/>
               </a:ext>
             </a:extLst>
           </p:cNvPr>
-          <p:cNvPicPr>
-            <a:picLocks noChangeAspect="1"/>
-          </p:cNvPicPr>
+          <p:cNvSpPr txBox="1"/>
           <p:nvPr/>
-        </p:nvPicPr>
-        <p:blipFill>
-          <a:blip r:embed="rId3"/>
-          <a:stretch>
-            <a:fillRect/>
-          </a:stretch>
-        </p:blipFill>
+        </p:nvSpPr>
         <p:spPr>
           <a:xfrm>
-            <a:off x="0" y="2741628"/>
-            <a:ext cx="9144000" cy="4116371"/>
+            <a:off x="1701962" y="3703619"/>
+            <a:ext cx="1977660" cy="584775"/>
           </a:xfrm>
           <a:prstGeom prst="rect">
-            <a:avLst/>
-          </a:prstGeom>
-        </p:spPr>
-      </p:pic>
-      <p:pic>
-        <p:nvPicPr>
-          <p:cNvPr id="9" name="Picture 8">
-            <a:extLst>
-              <a:ext uri="{FF2B5EF4-FFF2-40B4-BE49-F238E27FC236}">
-                <a16:creationId xmlns:a16="http://schemas.microsoft.com/office/drawing/2014/main" id="{C6E5D68D-5ADA-A749-9B9E-ED2AD2147B73}"/>
-              </a:ext>
-            </a:extLst>
-          </p:cNvPr>
-          <p:cNvPicPr>
-            <a:picLocks noChangeAspect="1"/>
-          </p:cNvPicPr>
-          <p:nvPr/>
-        </p:nvPicPr>
-        <p:blipFill>
-          <a:blip r:embed="rId4"/>
-          <a:stretch>
-            <a:fillRect/>
-          </a:stretch>
-        </p:blipFill>
-        <p:spPr>
-          <a:xfrm>
-            <a:off x="0" y="2741627"/>
-            <a:ext cx="9144000" cy="4116371"/>
-          </a:xfrm>
-          <a:prstGeom prst="rect">
-            <a:avLst/>
-          </a:prstGeom>
-        </p:spPr>
-      </p:pic>
-      <p:pic>
-        <p:nvPicPr>
-          <p:cNvPr id="10" name="Picture 9">
-            <a:extLst>
-              <a:ext uri="{FF2B5EF4-FFF2-40B4-BE49-F238E27FC236}">
-                <a16:creationId xmlns:a16="http://schemas.microsoft.com/office/drawing/2014/main" id="{BFC17047-047E-6F47-B562-D2052E1699D8}"/>
-              </a:ext>
-            </a:extLst>
-          </p:cNvPr>
-          <p:cNvPicPr>
-            <a:picLocks noChangeAspect="1"/>
-          </p:cNvPicPr>
-          <p:nvPr/>
-        </p:nvPicPr>
-        <p:blipFill>
-          <a:blip r:embed="rId5"/>
-          <a:stretch>
-            <a:fillRect/>
-          </a:stretch>
-        </p:blipFill>
-        <p:spPr>
-          <a:xfrm>
-            <a:off x="0" y="2741629"/>
-            <a:ext cx="9144000" cy="4116371"/>
-          </a:xfrm>
-          <a:prstGeom prst="rect">
-            <a:avLst/>
-          </a:prstGeom>
-        </p:spPr>
-      </p:pic>
-      <p:sp>
-        <p:nvSpPr>
-          <p:cNvPr id="11" name="Rounded Rectangle 10">
-            <a:extLst>
-              <a:ext uri="{FF2B5EF4-FFF2-40B4-BE49-F238E27FC236}">
-                <a16:creationId xmlns:a16="http://schemas.microsoft.com/office/drawing/2014/main" id="{0682B43D-5B2B-394B-AAAB-FA5156D60C9E}"/>
-              </a:ext>
-            </a:extLst>
-          </p:cNvPr>
-          <p:cNvSpPr/>
-          <p:nvPr/>
-        </p:nvSpPr>
-        <p:spPr>
-          <a:xfrm>
-            <a:off x="-141514" y="5148943"/>
-            <a:ext cx="2569029" cy="1197427"/>
-          </a:xfrm>
-          <a:prstGeom prst="roundRect">
             <a:avLst/>
           </a:prstGeom>
           <a:solidFill>
@@ -3333,6 +3297,49 @@
           </a:solidFill>
           <a:ln>
             <a:noFill/>
+          </a:ln>
+        </p:spPr>
+        <p:txBody>
+          <a:bodyPr wrap="square" rtlCol="0" anchor="ctr">
+            <a:spAutoFit/>
+          </a:bodyPr>
+          <a:lstStyle/>
+          <a:p>
+            <a:r>
+              <a:rPr lang="en-US" sz="3200" dirty="0">
+                <a:latin typeface="Consolas" panose="020B0609020204030204" pitchFamily="49" charset="0"/>
+                <a:cs typeface="Consolas" panose="020B0609020204030204" pitchFamily="49" charset="0"/>
+              </a:rPr>
+              <a:t>[k . .]</a:t>
+            </a:r>
+          </a:p>
+        </p:txBody>
+      </p:sp>
+      <p:sp>
+        <p:nvSpPr>
+          <p:cNvPr id="19" name="Cloud Callout 18">
+            <a:extLst>
+              <a:ext uri="{FF2B5EF4-FFF2-40B4-BE49-F238E27FC236}">
+                <a16:creationId xmlns:a16="http://schemas.microsoft.com/office/drawing/2014/main" id="{80C9BF37-71EB-6154-84E9-A4B7F3CCB80D}"/>
+              </a:ext>
+            </a:extLst>
+          </p:cNvPr>
+          <p:cNvSpPr/>
+          <p:nvPr/>
+        </p:nvSpPr>
+        <p:spPr>
+          <a:xfrm rot="20289410" flipH="1">
+            <a:off x="2064626" y="359509"/>
+            <a:ext cx="3847383" cy="2691805"/>
+          </a:xfrm>
+          <a:prstGeom prst="cloudCallout">
+            <a:avLst/>
+          </a:prstGeom>
+          <a:noFill/>
+          <a:ln>
+            <a:solidFill>
+              <a:schemeClr val="tx1"/>
+            </a:solidFill>
           </a:ln>
         </p:spPr>
         <p:style>
@@ -3356,28 +3363,139 @@
           <a:lstStyle/>
           <a:p>
             <a:pPr algn="ctr"/>
-            <a:endParaRPr lang="en-US" dirty="0"/>
-          </a:p>
-        </p:txBody>
-      </p:sp>
-      <p:sp>
-        <p:nvSpPr>
-          <p:cNvPr id="12" name="Cloud 11">
+            <a:endParaRPr lang="en-US"/>
+          </a:p>
+        </p:txBody>
+      </p:sp>
+      <p:sp>
+        <p:nvSpPr>
+          <p:cNvPr id="20" name="TextBox 19">
             <a:extLst>
               <a:ext uri="{FF2B5EF4-FFF2-40B4-BE49-F238E27FC236}">
-                <a16:creationId xmlns:a16="http://schemas.microsoft.com/office/drawing/2014/main" id="{361E1757-DE83-C142-8E3D-433790665901}"/>
+                <a16:creationId xmlns:a16="http://schemas.microsoft.com/office/drawing/2014/main" id="{636FB9F7-CB6F-A719-689F-25F99D186F0F}"/>
               </a:ext>
             </a:extLst>
           </p:cNvPr>
-          <p:cNvSpPr/>
+          <p:cNvSpPr txBox="1"/>
           <p:nvPr/>
         </p:nvSpPr>
         <p:spPr>
-          <a:xfrm rot="1479715">
-            <a:off x="1883231" y="2166257"/>
-            <a:ext cx="5932714" cy="4539343"/>
+          <a:xfrm>
+            <a:off x="3148000" y="918695"/>
+            <a:ext cx="2530547" cy="316882"/>
           </a:xfrm>
-          <a:prstGeom prst="cloud">
+          <a:prstGeom prst="rect">
+            <a:avLst/>
+          </a:prstGeom>
+          <a:solidFill>
+            <a:schemeClr val="bg1"/>
+          </a:solidFill>
+        </p:spPr>
+        <p:txBody>
+          <a:bodyPr wrap="square" rtlCol="0" anchor="ctr">
+            <a:spAutoFit/>
+          </a:bodyPr>
+          <a:lstStyle/>
+          <a:p>
+            <a:r>
+              <a:rPr lang="en-US" dirty="0"/>
+              <a:t>kite                  car</a:t>
+            </a:r>
+          </a:p>
+        </p:txBody>
+      </p:sp>
+      <p:sp>
+        <p:nvSpPr>
+          <p:cNvPr id="21" name="TextBox 20">
+            <a:extLst>
+              <a:ext uri="{FF2B5EF4-FFF2-40B4-BE49-F238E27FC236}">
+                <a16:creationId xmlns:a16="http://schemas.microsoft.com/office/drawing/2014/main" id="{ACFF991D-72B9-A125-829B-56D407DED550}"/>
+              </a:ext>
+            </a:extLst>
+          </p:cNvPr>
+          <p:cNvSpPr txBox="1"/>
+          <p:nvPr/>
+        </p:nvSpPr>
+        <p:spPr>
+          <a:xfrm>
+            <a:off x="2524224" y="1425850"/>
+            <a:ext cx="3154323" cy="316882"/>
+          </a:xfrm>
+          <a:prstGeom prst="rect">
+            <a:avLst/>
+          </a:prstGeom>
+          <a:solidFill>
+            <a:schemeClr val="bg1"/>
+          </a:solidFill>
+        </p:spPr>
+        <p:txBody>
+          <a:bodyPr wrap="square" rtlCol="0" anchor="ctr">
+            <a:spAutoFit/>
+          </a:bodyPr>
+          <a:lstStyle/>
+          <a:p>
+            <a:r>
+              <a:rPr lang="en-US" dirty="0"/>
+              <a:t>cow             cat                  kit</a:t>
+            </a:r>
+          </a:p>
+        </p:txBody>
+      </p:sp>
+      <p:sp>
+        <p:nvSpPr>
+          <p:cNvPr id="22" name="TextBox 21">
+            <a:extLst>
+              <a:ext uri="{FF2B5EF4-FFF2-40B4-BE49-F238E27FC236}">
+                <a16:creationId xmlns:a16="http://schemas.microsoft.com/office/drawing/2014/main" id="{988D5F73-D817-D8CC-B0AD-1B818AC591B1}"/>
+              </a:ext>
+            </a:extLst>
+          </p:cNvPr>
+          <p:cNvSpPr txBox="1"/>
+          <p:nvPr/>
+        </p:nvSpPr>
+        <p:spPr>
+          <a:xfrm>
+            <a:off x="3744119" y="2078399"/>
+            <a:ext cx="690418" cy="316882"/>
+          </a:xfrm>
+          <a:prstGeom prst="rect">
+            <a:avLst/>
+          </a:prstGeom>
+          <a:solidFill>
+            <a:schemeClr val="bg1"/>
+          </a:solidFill>
+        </p:spPr>
+        <p:txBody>
+          <a:bodyPr wrap="square" rtlCol="0" anchor="ctr">
+            <a:spAutoFit/>
+          </a:bodyPr>
+          <a:lstStyle/>
+          <a:p>
+            <a:r>
+              <a:rPr lang="en-US" dirty="0"/>
+              <a:t>cap</a:t>
+            </a:r>
+          </a:p>
+        </p:txBody>
+      </p:sp>
+      <p:sp>
+        <p:nvSpPr>
+          <p:cNvPr id="23" name="TextBox 22">
+            <a:extLst>
+              <a:ext uri="{FF2B5EF4-FFF2-40B4-BE49-F238E27FC236}">
+                <a16:creationId xmlns:a16="http://schemas.microsoft.com/office/drawing/2014/main" id="{051E900E-49B2-3606-4588-FBA8736C200A}"/>
+              </a:ext>
+            </a:extLst>
+          </p:cNvPr>
+          <p:cNvSpPr txBox="1"/>
+          <p:nvPr/>
+        </p:nvSpPr>
+        <p:spPr>
+          <a:xfrm>
+            <a:off x="1701970" y="3708085"/>
+            <a:ext cx="1977659" cy="584775"/>
+          </a:xfrm>
+          <a:prstGeom prst="rect">
             <a:avLst/>
           </a:prstGeom>
           <a:solidFill>
@@ -3387,31 +3505,383 @@
             <a:noFill/>
           </a:ln>
         </p:spPr>
-        <p:style>
-          <a:lnRef idx="2">
-            <a:schemeClr val="accent1">
-              <a:shade val="50000"/>
-            </a:schemeClr>
-          </a:lnRef>
-          <a:fillRef idx="1">
-            <a:schemeClr val="accent1"/>
-          </a:fillRef>
-          <a:effectRef idx="0">
-            <a:schemeClr val="accent1"/>
-          </a:effectRef>
-          <a:fontRef idx="minor">
-            <a:schemeClr val="lt1"/>
-          </a:fontRef>
-        </p:style>
-        <p:txBody>
-          <a:bodyPr rtlCol="0" anchor="ctr"/>
-          <a:lstStyle/>
-          <a:p>
-            <a:pPr algn="ctr"/>
-            <a:endParaRPr lang="en-US"/>
-          </a:p>
-        </p:txBody>
-      </p:sp>
+        <p:txBody>
+          <a:bodyPr wrap="square" rtlCol="0" anchor="ctr">
+            <a:spAutoFit/>
+          </a:bodyPr>
+          <a:lstStyle/>
+          <a:p>
+            <a:r>
+              <a:rPr lang="en-US" sz="3200" dirty="0">
+                <a:latin typeface="Consolas" panose="020B0609020204030204" pitchFamily="49" charset="0"/>
+                <a:cs typeface="Consolas" panose="020B0609020204030204" pitchFamily="49" charset="0"/>
+              </a:rPr>
+              <a:t>[k </a:t>
+            </a:r>
+            <a:r>
+              <a:rPr lang="en-US" sz="3200" dirty="0" err="1">
+                <a:latin typeface="Consolas" panose="020B0609020204030204" pitchFamily="49" charset="0"/>
+                <a:cs typeface="Consolas" panose="020B0609020204030204" pitchFamily="49" charset="0"/>
+              </a:rPr>
+              <a:t>æ</a:t>
+            </a:r>
+            <a:r>
+              <a:rPr lang="en-US" sz="3200" dirty="0">
+                <a:latin typeface="Consolas" panose="020B0609020204030204" pitchFamily="49" charset="0"/>
+                <a:cs typeface="Consolas" panose="020B0609020204030204" pitchFamily="49" charset="0"/>
+              </a:rPr>
+              <a:t> .]</a:t>
+            </a:r>
+          </a:p>
+        </p:txBody>
+      </p:sp>
+      <p:sp>
+        <p:nvSpPr>
+          <p:cNvPr id="24" name="TextBox 23">
+            <a:extLst>
+              <a:ext uri="{FF2B5EF4-FFF2-40B4-BE49-F238E27FC236}">
+                <a16:creationId xmlns:a16="http://schemas.microsoft.com/office/drawing/2014/main" id="{24463070-3172-A2F3-D2CF-67784C689A5B}"/>
+              </a:ext>
+            </a:extLst>
+          </p:cNvPr>
+          <p:cNvSpPr txBox="1"/>
+          <p:nvPr/>
+        </p:nvSpPr>
+        <p:spPr>
+          <a:xfrm>
+            <a:off x="3148000" y="928296"/>
+            <a:ext cx="2530547" cy="307777"/>
+          </a:xfrm>
+          <a:prstGeom prst="rect">
+            <a:avLst/>
+          </a:prstGeom>
+          <a:solidFill>
+            <a:schemeClr val="bg1"/>
+          </a:solidFill>
+        </p:spPr>
+        <p:txBody>
+          <a:bodyPr wrap="square" rtlCol="0" anchor="ctr">
+            <a:spAutoFit/>
+          </a:bodyPr>
+          <a:lstStyle/>
+          <a:p>
+            <a:r>
+              <a:rPr lang="en-US" sz="1400" dirty="0"/>
+              <a:t>kite                  car</a:t>
+            </a:r>
+          </a:p>
+        </p:txBody>
+      </p:sp>
+      <p:sp>
+        <p:nvSpPr>
+          <p:cNvPr id="25" name="TextBox 24">
+            <a:extLst>
+              <a:ext uri="{FF2B5EF4-FFF2-40B4-BE49-F238E27FC236}">
+                <a16:creationId xmlns:a16="http://schemas.microsoft.com/office/drawing/2014/main" id="{9D2B0F29-1AC0-0D5A-8792-F3B989733626}"/>
+              </a:ext>
+            </a:extLst>
+          </p:cNvPr>
+          <p:cNvSpPr txBox="1"/>
+          <p:nvPr/>
+        </p:nvSpPr>
+        <p:spPr>
+          <a:xfrm>
+            <a:off x="2524224" y="1414185"/>
+            <a:ext cx="3154323" cy="461665"/>
+          </a:xfrm>
+          <a:prstGeom prst="rect">
+            <a:avLst/>
+          </a:prstGeom>
+          <a:solidFill>
+            <a:schemeClr val="bg1"/>
+          </a:solidFill>
+        </p:spPr>
+        <p:txBody>
+          <a:bodyPr wrap="square" rtlCol="0" anchor="ctr">
+            <a:spAutoFit/>
+          </a:bodyPr>
+          <a:lstStyle/>
+          <a:p>
+            <a:r>
+              <a:rPr lang="en-US" sz="1400" dirty="0"/>
+              <a:t>cow</a:t>
+            </a:r>
+            <a:r>
+              <a:rPr lang="en-US" dirty="0"/>
+              <a:t>             </a:t>
+            </a:r>
+            <a:r>
+              <a:rPr lang="en-US" sz="2400" dirty="0"/>
+              <a:t>cat</a:t>
+            </a:r>
+            <a:r>
+              <a:rPr lang="en-US" dirty="0"/>
+              <a:t>                  </a:t>
+            </a:r>
+            <a:r>
+              <a:rPr lang="en-US" sz="1400" dirty="0"/>
+              <a:t>kit</a:t>
+            </a:r>
+          </a:p>
+        </p:txBody>
+      </p:sp>
+      <p:sp>
+        <p:nvSpPr>
+          <p:cNvPr id="26" name="TextBox 25">
+            <a:extLst>
+              <a:ext uri="{FF2B5EF4-FFF2-40B4-BE49-F238E27FC236}">
+                <a16:creationId xmlns:a16="http://schemas.microsoft.com/office/drawing/2014/main" id="{AC6D9D5E-812C-250A-5407-F6FD5121BCBA}"/>
+              </a:ext>
+            </a:extLst>
+          </p:cNvPr>
+          <p:cNvSpPr txBox="1"/>
+          <p:nvPr/>
+        </p:nvSpPr>
+        <p:spPr>
+          <a:xfrm>
+            <a:off x="3744119" y="2066734"/>
+            <a:ext cx="690418" cy="461665"/>
+          </a:xfrm>
+          <a:prstGeom prst="rect">
+            <a:avLst/>
+          </a:prstGeom>
+          <a:solidFill>
+            <a:schemeClr val="bg1"/>
+          </a:solidFill>
+        </p:spPr>
+        <p:txBody>
+          <a:bodyPr wrap="square" rtlCol="0" anchor="ctr">
+            <a:spAutoFit/>
+          </a:bodyPr>
+          <a:lstStyle/>
+          <a:p>
+            <a:r>
+              <a:rPr lang="en-US" sz="2400" dirty="0"/>
+              <a:t>cap</a:t>
+            </a:r>
+          </a:p>
+        </p:txBody>
+      </p:sp>
+      <p:sp>
+        <p:nvSpPr>
+          <p:cNvPr id="27" name="TextBox 26">
+            <a:extLst>
+              <a:ext uri="{FF2B5EF4-FFF2-40B4-BE49-F238E27FC236}">
+                <a16:creationId xmlns:a16="http://schemas.microsoft.com/office/drawing/2014/main" id="{552A12DE-49FE-B35F-7AAB-CE36CF0D6825}"/>
+              </a:ext>
+            </a:extLst>
+          </p:cNvPr>
+          <p:cNvSpPr txBox="1"/>
+          <p:nvPr/>
+        </p:nvSpPr>
+        <p:spPr>
+          <a:xfrm>
+            <a:off x="1701954" y="3699152"/>
+            <a:ext cx="1977675" cy="584775"/>
+          </a:xfrm>
+          <a:prstGeom prst="rect">
+            <a:avLst/>
+          </a:prstGeom>
+          <a:solidFill>
+            <a:schemeClr val="bg1"/>
+          </a:solidFill>
+          <a:ln>
+            <a:noFill/>
+          </a:ln>
+        </p:spPr>
+        <p:txBody>
+          <a:bodyPr wrap="square" rtlCol="0" anchor="ctr">
+            <a:spAutoFit/>
+          </a:bodyPr>
+          <a:lstStyle/>
+          <a:p>
+            <a:r>
+              <a:rPr lang="en-US" sz="3200" dirty="0">
+                <a:latin typeface="Consolas" panose="020B0609020204030204" pitchFamily="49" charset="0"/>
+                <a:cs typeface="Consolas" panose="020B0609020204030204" pitchFamily="49" charset="0"/>
+              </a:rPr>
+              <a:t>[k </a:t>
+            </a:r>
+            <a:r>
+              <a:rPr lang="en-US" sz="3200" dirty="0" err="1">
+                <a:latin typeface="Consolas" panose="020B0609020204030204" pitchFamily="49" charset="0"/>
+                <a:cs typeface="Consolas" panose="020B0609020204030204" pitchFamily="49" charset="0"/>
+              </a:rPr>
+              <a:t>æ</a:t>
+            </a:r>
+            <a:r>
+              <a:rPr lang="en-US" sz="3200" dirty="0">
+                <a:latin typeface="Consolas" panose="020B0609020204030204" pitchFamily="49" charset="0"/>
+                <a:cs typeface="Consolas" panose="020B0609020204030204" pitchFamily="49" charset="0"/>
+              </a:rPr>
+              <a:t> t]</a:t>
+            </a:r>
+          </a:p>
+        </p:txBody>
+      </p:sp>
+      <p:sp>
+        <p:nvSpPr>
+          <p:cNvPr id="28" name="TextBox 27">
+            <a:extLst>
+              <a:ext uri="{FF2B5EF4-FFF2-40B4-BE49-F238E27FC236}">
+                <a16:creationId xmlns:a16="http://schemas.microsoft.com/office/drawing/2014/main" id="{31915DC9-F0A1-2143-F559-A0CA870954C9}"/>
+              </a:ext>
+            </a:extLst>
+          </p:cNvPr>
+          <p:cNvSpPr txBox="1"/>
+          <p:nvPr/>
+        </p:nvSpPr>
+        <p:spPr>
+          <a:xfrm>
+            <a:off x="3148000" y="959074"/>
+            <a:ext cx="2530547" cy="246221"/>
+          </a:xfrm>
+          <a:prstGeom prst="rect">
+            <a:avLst/>
+          </a:prstGeom>
+          <a:solidFill>
+            <a:schemeClr val="bg1"/>
+          </a:solidFill>
+        </p:spPr>
+        <p:txBody>
+          <a:bodyPr wrap="square" rtlCol="0" anchor="ctr">
+            <a:spAutoFit/>
+          </a:bodyPr>
+          <a:lstStyle/>
+          <a:p>
+            <a:r>
+              <a:rPr lang="en-US" sz="1000" dirty="0"/>
+              <a:t>kite                            car</a:t>
+            </a:r>
+          </a:p>
+        </p:txBody>
+      </p:sp>
+      <p:sp>
+        <p:nvSpPr>
+          <p:cNvPr id="29" name="TextBox 28">
+            <a:extLst>
+              <a:ext uri="{FF2B5EF4-FFF2-40B4-BE49-F238E27FC236}">
+                <a16:creationId xmlns:a16="http://schemas.microsoft.com/office/drawing/2014/main" id="{D2DAFCFC-FAB2-BE90-A6F6-1CFD87E516A7}"/>
+              </a:ext>
+            </a:extLst>
+          </p:cNvPr>
+          <p:cNvSpPr txBox="1"/>
+          <p:nvPr/>
+        </p:nvSpPr>
+        <p:spPr>
+          <a:xfrm>
+            <a:off x="2524224" y="1352630"/>
+            <a:ext cx="3154323" cy="584775"/>
+          </a:xfrm>
+          <a:prstGeom prst="rect">
+            <a:avLst/>
+          </a:prstGeom>
+          <a:solidFill>
+            <a:schemeClr val="bg1"/>
+          </a:solidFill>
+        </p:spPr>
+        <p:txBody>
+          <a:bodyPr wrap="square" rtlCol="0" anchor="ctr">
+            <a:spAutoFit/>
+          </a:bodyPr>
+          <a:lstStyle/>
+          <a:p>
+            <a:r>
+              <a:rPr lang="en-US" sz="1000" dirty="0"/>
+              <a:t>cow</a:t>
+            </a:r>
+            <a:r>
+              <a:rPr lang="en-US" dirty="0"/>
+              <a:t>                  </a:t>
+            </a:r>
+            <a:r>
+              <a:rPr lang="en-US" sz="3200" dirty="0"/>
+              <a:t>cat</a:t>
+            </a:r>
+            <a:r>
+              <a:rPr lang="en-US" dirty="0"/>
+              <a:t>                  </a:t>
+            </a:r>
+            <a:r>
+              <a:rPr lang="en-US" sz="1000" dirty="0"/>
+              <a:t>kit</a:t>
+            </a:r>
+          </a:p>
+        </p:txBody>
+      </p:sp>
+      <p:sp>
+        <p:nvSpPr>
+          <p:cNvPr id="30" name="TextBox 29">
+            <a:extLst>
+              <a:ext uri="{FF2B5EF4-FFF2-40B4-BE49-F238E27FC236}">
+                <a16:creationId xmlns:a16="http://schemas.microsoft.com/office/drawing/2014/main" id="{640DCCB8-7BC9-A6F3-2579-26A2851884CD}"/>
+              </a:ext>
+            </a:extLst>
+          </p:cNvPr>
+          <p:cNvSpPr txBox="1"/>
+          <p:nvPr/>
+        </p:nvSpPr>
+        <p:spPr>
+          <a:xfrm>
+            <a:off x="3744119" y="2174456"/>
+            <a:ext cx="690418" cy="246221"/>
+          </a:xfrm>
+          <a:prstGeom prst="rect">
+            <a:avLst/>
+          </a:prstGeom>
+          <a:solidFill>
+            <a:schemeClr val="bg1"/>
+          </a:solidFill>
+        </p:spPr>
+        <p:txBody>
+          <a:bodyPr wrap="square" rtlCol="0" anchor="ctr">
+            <a:spAutoFit/>
+          </a:bodyPr>
+          <a:lstStyle/>
+          <a:p>
+            <a:r>
+              <a:rPr lang="en-US" sz="1000" dirty="0"/>
+              <a:t>cap</a:t>
+            </a:r>
+          </a:p>
+        </p:txBody>
+      </p:sp>
+      <p:pic>
+        <p:nvPicPr>
+          <p:cNvPr id="36" name="Graphic 35" descr="User outline">
+            <a:extLst>
+              <a:ext uri="{FF2B5EF4-FFF2-40B4-BE49-F238E27FC236}">
+                <a16:creationId xmlns:a16="http://schemas.microsoft.com/office/drawing/2014/main" id="{482B9174-AA4A-63FA-05C6-C00FB6EE752D}"/>
+              </a:ext>
+            </a:extLst>
+          </p:cNvPr>
+          <p:cNvPicPr>
+            <a:picLocks noChangeAspect="1"/>
+          </p:cNvPicPr>
+          <p:nvPr/>
+        </p:nvPicPr>
+        <p:blipFill>
+          <a:blip r:embed="rId4">
+            <a:extLst>
+              <a:ext uri="{96DAC541-7B7A-43D3-8B79-37D633B846F1}">
+                <asvg:svgBlip xmlns:asvg="http://schemas.microsoft.com/office/drawing/2016/SVG/main" r:embed="rId5"/>
+              </a:ext>
+            </a:extLst>
+          </a:blip>
+          <a:stretch>
+            <a:fillRect/>
+          </a:stretch>
+        </p:blipFill>
+        <p:spPr>
+          <a:xfrm>
+            <a:off x="4687598" y="2538221"/>
+            <a:ext cx="2501468" cy="2501468"/>
+          </a:xfrm>
+          <a:prstGeom prst="rect">
+            <a:avLst/>
+          </a:prstGeom>
+        </p:spPr>
+      </p:pic>
     </p:spTree>
     <p:extLst>
       <p:ext uri="{BB962C8B-B14F-4D97-AF65-F5344CB8AC3E}">
@@ -3422,11 +3892,11 @@
   <p:clrMapOvr>
     <a:masterClrMapping/>
   </p:clrMapOvr>
-  <mc:AlternateContent xmlns:mc="http://schemas.openxmlformats.org/markup-compatibility/2006">
-    <mc:Choice xmlns:p14="http://schemas.microsoft.com/office/powerpoint/2010/main" Requires="p14">
+  <mc:AlternateContent xmlns:mc="http://schemas.openxmlformats.org/markup-compatibility/2006" xmlns:p14="http://schemas.microsoft.com/office/powerpoint/2010/main">
+    <mc:Choice Requires="p14">
       <p:transition spd="slow" p14:dur="2750" advClick="0"/>
     </mc:Choice>
-    <mc:Fallback>
+    <mc:Fallback xmlns="">
       <p:transition spd="slow" advClick="0"/>
     </mc:Fallback>
   </mc:AlternateContent>
@@ -3454,9 +3924,9 @@
                             </p:stCondLst>
                             <p:childTnLst>
                               <p:par>
-                                <p:cTn id="5" presetID="1" presetClass="exit" presetSubtype="0" fill="hold" nodeType="withEffect">
+                                <p:cTn id="5" presetID="1" presetClass="entr" presetSubtype="0" fill="hold" grpId="0" nodeType="withEffect">
                                   <p:stCondLst>
-                                    <p:cond delay="2000"/>
+                                    <p:cond delay="1000"/>
                                   </p:stCondLst>
                                   <p:childTnLst>
                                     <p:set>
@@ -3467,21 +3937,21 @@
                                           </p:stCondLst>
                                         </p:cTn>
                                         <p:tgtEl>
-                                          <p:spTgt spid="7"/>
+                                          <p:spTgt spid="18"/>
                                         </p:tgtEl>
                                         <p:attrNameLst>
                                           <p:attrName>style.visibility</p:attrName>
                                         </p:attrNameLst>
                                       </p:cBhvr>
                                       <p:to>
-                                        <p:strVal val="hidden"/>
+                                        <p:strVal val="visible"/>
                                       </p:to>
                                     </p:set>
                                   </p:childTnLst>
                                 </p:cTn>
                               </p:par>
                               <p:par>
-                                <p:cTn id="7" presetID="1" presetClass="exit" presetSubtype="0" fill="hold" grpId="0" nodeType="withEffect">
+                                <p:cTn id="7" presetID="1" presetClass="entr" presetSubtype="0" fill="hold" grpId="0" nodeType="withEffect">
                                   <p:stCondLst>
                                     <p:cond delay="2000"/>
                                   </p:stCondLst>
@@ -3494,61 +3964,7 @@
                                           </p:stCondLst>
                                         </p:cTn>
                                         <p:tgtEl>
-                                          <p:spTgt spid="11"/>
-                                        </p:tgtEl>
-                                        <p:attrNameLst>
-                                          <p:attrName>style.visibility</p:attrName>
-                                        </p:attrNameLst>
-                                      </p:cBhvr>
-                                      <p:to>
-                                        <p:strVal val="hidden"/>
-                                      </p:to>
-                                    </p:set>
-                                  </p:childTnLst>
-                                </p:cTn>
-                              </p:par>
-                              <p:par>
-                                <p:cTn id="9" presetID="1" presetClass="exit" presetSubtype="0" fill="hold" grpId="0" nodeType="withEffect">
-                                  <p:stCondLst>
-                                    <p:cond delay="3000"/>
-                                  </p:stCondLst>
-                                  <p:childTnLst>
-                                    <p:set>
-                                      <p:cBhvr>
-                                        <p:cTn id="10" dur="1" fill="hold">
-                                          <p:stCondLst>
-                                            <p:cond delay="0"/>
-                                          </p:stCondLst>
-                                        </p:cTn>
-                                        <p:tgtEl>
-                                          <p:spTgt spid="12"/>
-                                        </p:tgtEl>
-                                        <p:attrNameLst>
-                                          <p:attrName>style.visibility</p:attrName>
-                                        </p:attrNameLst>
-                                      </p:cBhvr>
-                                      <p:to>
-                                        <p:strVal val="hidden"/>
-                                      </p:to>
-                                    </p:set>
-                                  </p:childTnLst>
-                                </p:cTn>
-                              </p:par>
-                              <p:par>
-                                <p:cTn id="11" presetID="1" presetClass="entr" presetSubtype="0" fill="hold" nodeType="withEffect">
-                                  <p:stCondLst>
-                                    <p:cond delay="0"/>
-                                  </p:stCondLst>
-                                  <p:childTnLst>
-                                    <p:set>
-                                      <p:cBhvr>
-                                        <p:cTn id="12" dur="1" fill="hold">
-                                          <p:stCondLst>
-                                            <p:cond delay="0"/>
-                                          </p:stCondLst>
-                                        </p:cTn>
-                                        <p:tgtEl>
-                                          <p:spTgt spid="8"/>
+                                          <p:spTgt spid="20"/>
                                         </p:tgtEl>
                                         <p:attrNameLst>
                                           <p:attrName>style.visibility</p:attrName>
@@ -3561,66 +3977,21 @@
                                   </p:childTnLst>
                                 </p:cTn>
                               </p:par>
-                            </p:childTnLst>
-                          </p:cTn>
-                        </p:par>
-                        <p:par>
-                          <p:cTn id="13" fill="hold">
-                            <p:stCondLst>
-                              <p:cond delay="3000"/>
-                            </p:stCondLst>
-                            <p:childTnLst>
                               <p:par>
-                                <p:cTn id="14" presetID="1" presetClass="exit" presetSubtype="0" fill="hold" nodeType="afterEffect">
+                                <p:cTn id="9" presetID="1" presetClass="entr" presetSubtype="0" fill="hold" grpId="0" nodeType="withEffect">
                                   <p:stCondLst>
-                                    <p:cond delay="4000"/>
+                                    <p:cond delay="2000"/>
                                   </p:stCondLst>
                                   <p:childTnLst>
                                     <p:set>
                                       <p:cBhvr>
-                                        <p:cTn id="15" dur="1" fill="hold">
+                                        <p:cTn id="10" dur="1" fill="hold">
                                           <p:stCondLst>
                                             <p:cond delay="0"/>
                                           </p:stCondLst>
                                         </p:cTn>
                                         <p:tgtEl>
-                                          <p:spTgt spid="8"/>
-                                        </p:tgtEl>
-                                        <p:attrNameLst>
-                                          <p:attrName>style.visibility</p:attrName>
-                                        </p:attrNameLst>
-                                      </p:cBhvr>
-                                      <p:to>
-                                        <p:strVal val="hidden"/>
-                                      </p:to>
-                                    </p:set>
-                                  </p:childTnLst>
-                                </p:cTn>
-                              </p:par>
-                            </p:childTnLst>
-                          </p:cTn>
-                        </p:par>
-                        <p:par>
-                          <p:cTn id="16" fill="hold">
-                            <p:stCondLst>
-                              <p:cond delay="7000"/>
-                            </p:stCondLst>
-                            <p:childTnLst>
-                              <p:par>
-                                <p:cTn id="17" presetID="1" presetClass="entr" presetSubtype="0" fill="hold" nodeType="afterEffect">
-                                  <p:stCondLst>
-                                    <p:cond delay="0"/>
-                                  </p:stCondLst>
-                                  <p:childTnLst>
-                                    <p:set>
-                                      <p:cBhvr>
-                                        <p:cTn id="18" dur="1" fill="hold">
-                                          <p:stCondLst>
-                                            <p:cond delay="0"/>
-                                          </p:stCondLst>
-                                        </p:cTn>
-                                        <p:tgtEl>
-                                          <p:spTgt spid="9"/>
+                                          <p:spTgt spid="21"/>
                                         </p:tgtEl>
                                         <p:attrNameLst>
                                           <p:attrName>style.visibility</p:attrName>
@@ -3633,66 +4004,21 @@
                                   </p:childTnLst>
                                 </p:cTn>
                               </p:par>
-                            </p:childTnLst>
-                          </p:cTn>
-                        </p:par>
-                        <p:par>
-                          <p:cTn id="19" fill="hold">
-                            <p:stCondLst>
-                              <p:cond delay="7000"/>
-                            </p:stCondLst>
-                            <p:childTnLst>
                               <p:par>
-                                <p:cTn id="20" presetID="1" presetClass="exit" presetSubtype="0" fill="hold" nodeType="afterEffect">
+                                <p:cTn id="11" presetID="1" presetClass="entr" presetSubtype="0" fill="hold" grpId="0" nodeType="withEffect">
                                   <p:stCondLst>
                                     <p:cond delay="2000"/>
                                   </p:stCondLst>
                                   <p:childTnLst>
                                     <p:set>
                                       <p:cBhvr>
-                                        <p:cTn id="21" dur="1" fill="hold">
+                                        <p:cTn id="12" dur="1" fill="hold">
                                           <p:stCondLst>
                                             <p:cond delay="0"/>
                                           </p:stCondLst>
                                         </p:cTn>
                                         <p:tgtEl>
-                                          <p:spTgt spid="9"/>
-                                        </p:tgtEl>
-                                        <p:attrNameLst>
-                                          <p:attrName>style.visibility</p:attrName>
-                                        </p:attrNameLst>
-                                      </p:cBhvr>
-                                      <p:to>
-                                        <p:strVal val="hidden"/>
-                                      </p:to>
-                                    </p:set>
-                                  </p:childTnLst>
-                                </p:cTn>
-                              </p:par>
-                            </p:childTnLst>
-                          </p:cTn>
-                        </p:par>
-                        <p:par>
-                          <p:cTn id="22" fill="hold">
-                            <p:stCondLst>
-                              <p:cond delay="9000"/>
-                            </p:stCondLst>
-                            <p:childTnLst>
-                              <p:par>
-                                <p:cTn id="23" presetID="1" presetClass="entr" presetSubtype="0" fill="hold" nodeType="afterEffect">
-                                  <p:stCondLst>
-                                    <p:cond delay="0"/>
-                                  </p:stCondLst>
-                                  <p:childTnLst>
-                                    <p:set>
-                                      <p:cBhvr>
-                                        <p:cTn id="24" dur="1" fill="hold">
-                                          <p:stCondLst>
-                                            <p:cond delay="0"/>
-                                          </p:stCondLst>
-                                        </p:cTn>
-                                        <p:tgtEl>
-                                          <p:spTgt spid="10"/>
+                                          <p:spTgt spid="22"/>
                                         </p:tgtEl>
                                         <p:attrNameLst>
                                           <p:attrName>style.visibility</p:attrName>
@@ -3705,37 +4031,244 @@
                                   </p:childTnLst>
                                 </p:cTn>
                               </p:par>
-                            </p:childTnLst>
-                          </p:cTn>
-                        </p:par>
-                        <p:par>
-                          <p:cTn id="25" fill="hold">
-                            <p:stCondLst>
-                              <p:cond delay="9000"/>
-                            </p:stCondLst>
-                            <p:childTnLst>
                               <p:par>
-                                <p:cTn id="26" presetID="1" presetClass="exit" presetSubtype="0" fill="hold" nodeType="afterEffect">
+                                <p:cTn id="13" presetID="1" presetClass="entr" presetSubtype="0" fill="hold" grpId="0" nodeType="withEffect">
                                   <p:stCondLst>
                                     <p:cond delay="2000"/>
                                   </p:stCondLst>
                                   <p:childTnLst>
                                     <p:set>
                                       <p:cBhvr>
-                                        <p:cTn id="27" dur="1" fill="hold">
+                                        <p:cTn id="14" dur="1" fill="hold">
                                           <p:stCondLst>
                                             <p:cond delay="0"/>
                                           </p:stCondLst>
                                         </p:cTn>
                                         <p:tgtEl>
-                                          <p:spTgt spid="10"/>
+                                          <p:spTgt spid="19"/>
                                         </p:tgtEl>
                                         <p:attrNameLst>
                                           <p:attrName>style.visibility</p:attrName>
                                         </p:attrNameLst>
                                       </p:cBhvr>
                                       <p:to>
-                                        <p:strVal val="hidden"/>
+                                        <p:strVal val="visible"/>
+                                      </p:to>
+                                    </p:set>
+                                  </p:childTnLst>
+                                </p:cTn>
+                              </p:par>
+                              <p:par>
+                                <p:cTn id="15" presetID="1" presetClass="entr" presetSubtype="0" fill="hold" grpId="0" nodeType="withEffect">
+                                  <p:stCondLst>
+                                    <p:cond delay="3000"/>
+                                  </p:stCondLst>
+                                  <p:childTnLst>
+                                    <p:set>
+                                      <p:cBhvr>
+                                        <p:cTn id="16" dur="1" fill="hold">
+                                          <p:stCondLst>
+                                            <p:cond delay="0"/>
+                                          </p:stCondLst>
+                                        </p:cTn>
+                                        <p:tgtEl>
+                                          <p:spTgt spid="23"/>
+                                        </p:tgtEl>
+                                        <p:attrNameLst>
+                                          <p:attrName>style.visibility</p:attrName>
+                                        </p:attrNameLst>
+                                      </p:cBhvr>
+                                      <p:to>
+                                        <p:strVal val="visible"/>
+                                      </p:to>
+                                    </p:set>
+                                  </p:childTnLst>
+                                </p:cTn>
+                              </p:par>
+                              <p:par>
+                                <p:cTn id="17" presetID="1" presetClass="entr" presetSubtype="0" fill="hold" grpId="0" nodeType="withEffect">
+                                  <p:stCondLst>
+                                    <p:cond delay="3000"/>
+                                  </p:stCondLst>
+                                  <p:childTnLst>
+                                    <p:set>
+                                      <p:cBhvr>
+                                        <p:cTn id="18" dur="1" fill="hold">
+                                          <p:stCondLst>
+                                            <p:cond delay="0"/>
+                                          </p:stCondLst>
+                                        </p:cTn>
+                                        <p:tgtEl>
+                                          <p:spTgt spid="24"/>
+                                        </p:tgtEl>
+                                        <p:attrNameLst>
+                                          <p:attrName>style.visibility</p:attrName>
+                                        </p:attrNameLst>
+                                      </p:cBhvr>
+                                      <p:to>
+                                        <p:strVal val="visible"/>
+                                      </p:to>
+                                    </p:set>
+                                  </p:childTnLst>
+                                </p:cTn>
+                              </p:par>
+                              <p:par>
+                                <p:cTn id="19" presetID="1" presetClass="entr" presetSubtype="0" fill="hold" grpId="0" nodeType="withEffect">
+                                  <p:stCondLst>
+                                    <p:cond delay="3000"/>
+                                  </p:stCondLst>
+                                  <p:childTnLst>
+                                    <p:set>
+                                      <p:cBhvr>
+                                        <p:cTn id="20" dur="1" fill="hold">
+                                          <p:stCondLst>
+                                            <p:cond delay="0"/>
+                                          </p:stCondLst>
+                                        </p:cTn>
+                                        <p:tgtEl>
+                                          <p:spTgt spid="25"/>
+                                        </p:tgtEl>
+                                        <p:attrNameLst>
+                                          <p:attrName>style.visibility</p:attrName>
+                                        </p:attrNameLst>
+                                      </p:cBhvr>
+                                      <p:to>
+                                        <p:strVal val="visible"/>
+                                      </p:to>
+                                    </p:set>
+                                  </p:childTnLst>
+                                </p:cTn>
+                              </p:par>
+                              <p:par>
+                                <p:cTn id="21" presetID="1" presetClass="entr" presetSubtype="0" fill="hold" grpId="0" nodeType="withEffect">
+                                  <p:stCondLst>
+                                    <p:cond delay="3000"/>
+                                  </p:stCondLst>
+                                  <p:childTnLst>
+                                    <p:set>
+                                      <p:cBhvr>
+                                        <p:cTn id="22" dur="1" fill="hold">
+                                          <p:stCondLst>
+                                            <p:cond delay="0"/>
+                                          </p:stCondLst>
+                                        </p:cTn>
+                                        <p:tgtEl>
+                                          <p:spTgt spid="26"/>
+                                        </p:tgtEl>
+                                        <p:attrNameLst>
+                                          <p:attrName>style.visibility</p:attrName>
+                                        </p:attrNameLst>
+                                      </p:cBhvr>
+                                      <p:to>
+                                        <p:strVal val="visible"/>
+                                      </p:to>
+                                    </p:set>
+                                  </p:childTnLst>
+                                </p:cTn>
+                              </p:par>
+                              <p:par>
+                                <p:cTn id="23" presetID="1" presetClass="entr" presetSubtype="0" fill="hold" grpId="0" nodeType="withEffect">
+                                  <p:stCondLst>
+                                    <p:cond delay="4000"/>
+                                  </p:stCondLst>
+                                  <p:childTnLst>
+                                    <p:set>
+                                      <p:cBhvr>
+                                        <p:cTn id="24" dur="1" fill="hold">
+                                          <p:stCondLst>
+                                            <p:cond delay="0"/>
+                                          </p:stCondLst>
+                                        </p:cTn>
+                                        <p:tgtEl>
+                                          <p:spTgt spid="27"/>
+                                        </p:tgtEl>
+                                        <p:attrNameLst>
+                                          <p:attrName>style.visibility</p:attrName>
+                                        </p:attrNameLst>
+                                      </p:cBhvr>
+                                      <p:to>
+                                        <p:strVal val="visible"/>
+                                      </p:to>
+                                    </p:set>
+                                  </p:childTnLst>
+                                </p:cTn>
+                              </p:par>
+                              <p:par>
+                                <p:cTn id="25" presetID="1" presetClass="entr" presetSubtype="0" fill="hold" grpId="0" nodeType="withEffect">
+                                  <p:stCondLst>
+                                    <p:cond delay="4000"/>
+                                  </p:stCondLst>
+                                  <p:childTnLst>
+                                    <p:set>
+                                      <p:cBhvr>
+                                        <p:cTn id="26" dur="1" fill="hold">
+                                          <p:stCondLst>
+                                            <p:cond delay="0"/>
+                                          </p:stCondLst>
+                                        </p:cTn>
+                                        <p:tgtEl>
+                                          <p:spTgt spid="28"/>
+                                        </p:tgtEl>
+                                        <p:attrNameLst>
+                                          <p:attrName>style.visibility</p:attrName>
+                                        </p:attrNameLst>
+                                      </p:cBhvr>
+                                      <p:to>
+                                        <p:strVal val="visible"/>
+                                      </p:to>
+                                    </p:set>
+                                  </p:childTnLst>
+                                </p:cTn>
+                              </p:par>
+                              <p:par>
+                                <p:cTn id="27" presetID="1" presetClass="entr" presetSubtype="0" fill="hold" grpId="0" nodeType="withEffect">
+                                  <p:stCondLst>
+                                    <p:cond delay="4000"/>
+                                  </p:stCondLst>
+                                  <p:childTnLst>
+                                    <p:set>
+                                      <p:cBhvr>
+                                        <p:cTn id="28" dur="1" fill="hold">
+                                          <p:stCondLst>
+                                            <p:cond delay="0"/>
+                                          </p:stCondLst>
+                                        </p:cTn>
+                                        <p:tgtEl>
+                                          <p:spTgt spid="29"/>
+                                        </p:tgtEl>
+                                        <p:attrNameLst>
+                                          <p:attrName>style.visibility</p:attrName>
+                                        </p:attrNameLst>
+                                      </p:cBhvr>
+                                      <p:to>
+                                        <p:strVal val="visible"/>
+                                      </p:to>
+                                    </p:set>
+                                  </p:childTnLst>
+                                </p:cTn>
+                              </p:par>
+                              <p:par>
+                                <p:cTn id="29" presetID="1" presetClass="entr" presetSubtype="0" fill="hold" grpId="0" nodeType="withEffect">
+                                  <p:stCondLst>
+                                    <p:cond delay="4000"/>
+                                  </p:stCondLst>
+                                  <p:childTnLst>
+                                    <p:set>
+                                      <p:cBhvr>
+                                        <p:cTn id="30" dur="1" fill="hold">
+                                          <p:stCondLst>
+                                            <p:cond delay="0"/>
+                                          </p:stCondLst>
+                                        </p:cTn>
+                                        <p:tgtEl>
+                                          <p:spTgt spid="30"/>
+                                        </p:tgtEl>
+                                        <p:attrNameLst>
+                                          <p:attrName>style.visibility</p:attrName>
+                                        </p:attrNameLst>
+                                      </p:cBhvr>
+                                      <p:to>
+                                        <p:strVal val="visible"/>
                                       </p:to>
                                     </p:set>
                                   </p:childTnLst>
@@ -3769,8 +4302,19 @@
       </p:par>
     </p:tnLst>
     <p:bldLst>
-      <p:bldP spid="11" grpId="0" animBg="1"/>
-      <p:bldP spid="12" grpId="0" animBg="1"/>
+      <p:bldP spid="18" grpId="0" animBg="1"/>
+      <p:bldP spid="19" grpId="0" animBg="1"/>
+      <p:bldP spid="20" grpId="0" animBg="1"/>
+      <p:bldP spid="21" grpId="0" animBg="1"/>
+      <p:bldP spid="22" grpId="0" animBg="1"/>
+      <p:bldP spid="23" grpId="0" animBg="1"/>
+      <p:bldP spid="24" grpId="0" animBg="1"/>
+      <p:bldP spid="25" grpId="0" animBg="1"/>
+      <p:bldP spid="26" grpId="0" animBg="1"/>
+      <p:bldP spid="27" grpId="0" animBg="1"/>
+      <p:bldP spid="28" grpId="0" animBg="1"/>
+      <p:bldP spid="29" grpId="0" animBg="1"/>
+      <p:bldP spid="30" grpId="0" animBg="1"/>
     </p:bldLst>
   </p:timing>
 </p:sld>
